--- a/lectures/binary-trees.pptx
+++ b/lectures/binary-trees.pptx
@@ -30,8 +30,8 @@
     <p:sldId id="316" r:id="rId18"/>
     <p:sldId id="317" r:id="rId19"/>
     <p:sldId id="314" r:id="rId20"/>
-    <p:sldId id="319" r:id="rId21"/>
-    <p:sldId id="318" r:id="rId22"/>
+    <p:sldId id="318" r:id="rId21"/>
+    <p:sldId id="319" r:id="rId22"/>
     <p:sldId id="313" r:id="rId23"/>
   </p:sldIdLst>
   <p:sldSz cx="12192000" cy="6858000"/>
@@ -227,7 +227,7 @@
           <a:p>
             <a:fld id="{8A1B613A-EFF1-404F-BEE8-EFAE84A4E5E2}" type="datetimeFigureOut">
               <a:rPr lang="en-US" smtClean="0"/>
-              <a:t>2/10/21</a:t>
+              <a:t>11/11/21</a:t>
             </a:fld>
             <a:endParaRPr lang="en-US"/>
           </a:p>
@@ -392,7 +392,7 @@
           <a:p>
             <a:fld id="{690847EA-AC25-3D4E-89E1-FD3F6A9702B6}" type="datetimeFigureOut">
               <a:rPr lang="en-US" smtClean="0"/>
-              <a:t>2/10/21</a:t>
+              <a:t>11/11/21</a:t>
             </a:fld>
             <a:endParaRPr lang="en-US"/>
           </a:p>
@@ -890,7 +890,7 @@
           <a:p>
             <a:fld id="{BE5295ED-3BAF-1140-8495-3D368771D6B1}" type="datetimeFigureOut">
               <a:rPr lang="en-US" smtClean="0"/>
-              <a:t>2/10/21</a:t>
+              <a:t>11/11/21</a:t>
             </a:fld>
             <a:endParaRPr lang="en-US"/>
           </a:p>
@@ -1088,7 +1088,7 @@
           <a:p>
             <a:fld id="{BE5295ED-3BAF-1140-8495-3D368771D6B1}" type="datetimeFigureOut">
               <a:rPr lang="en-US" smtClean="0"/>
-              <a:t>2/10/21</a:t>
+              <a:t>11/11/21</a:t>
             </a:fld>
             <a:endParaRPr lang="en-US"/>
           </a:p>
@@ -1296,7 +1296,7 @@
           <a:p>
             <a:fld id="{BE5295ED-3BAF-1140-8495-3D368771D6B1}" type="datetimeFigureOut">
               <a:rPr lang="en-US" smtClean="0"/>
-              <a:t>2/10/21</a:t>
+              <a:t>11/11/21</a:t>
             </a:fld>
             <a:endParaRPr lang="en-US"/>
           </a:p>
@@ -1494,7 +1494,7 @@
           <a:p>
             <a:fld id="{BE5295ED-3BAF-1140-8495-3D368771D6B1}" type="datetimeFigureOut">
               <a:rPr lang="en-US" smtClean="0"/>
-              <a:t>2/10/21</a:t>
+              <a:t>11/11/21</a:t>
             </a:fld>
             <a:endParaRPr lang="en-US"/>
           </a:p>
@@ -1769,7 +1769,7 @@
           <a:p>
             <a:fld id="{BE5295ED-3BAF-1140-8495-3D368771D6B1}" type="datetimeFigureOut">
               <a:rPr lang="en-US" smtClean="0"/>
-              <a:t>2/10/21</a:t>
+              <a:t>11/11/21</a:t>
             </a:fld>
             <a:endParaRPr lang="en-US"/>
           </a:p>
@@ -2034,7 +2034,7 @@
           <a:p>
             <a:fld id="{BE5295ED-3BAF-1140-8495-3D368771D6B1}" type="datetimeFigureOut">
               <a:rPr lang="en-US" smtClean="0"/>
-              <a:t>2/10/21</a:t>
+              <a:t>11/11/21</a:t>
             </a:fld>
             <a:endParaRPr lang="en-US"/>
           </a:p>
@@ -2446,7 +2446,7 @@
           <a:p>
             <a:fld id="{BE5295ED-3BAF-1140-8495-3D368771D6B1}" type="datetimeFigureOut">
               <a:rPr lang="en-US" smtClean="0"/>
-              <a:t>2/10/21</a:t>
+              <a:t>11/11/21</a:t>
             </a:fld>
             <a:endParaRPr lang="en-US"/>
           </a:p>
@@ -2587,7 +2587,7 @@
           <a:p>
             <a:fld id="{BE5295ED-3BAF-1140-8495-3D368771D6B1}" type="datetimeFigureOut">
               <a:rPr lang="en-US" smtClean="0"/>
-              <a:t>2/10/21</a:t>
+              <a:t>11/11/21</a:t>
             </a:fld>
             <a:endParaRPr lang="en-US"/>
           </a:p>
@@ -2700,7 +2700,7 @@
           <a:p>
             <a:fld id="{BE5295ED-3BAF-1140-8495-3D368771D6B1}" type="datetimeFigureOut">
               <a:rPr lang="en-US" smtClean="0"/>
-              <a:t>2/10/21</a:t>
+              <a:t>11/11/21</a:t>
             </a:fld>
             <a:endParaRPr lang="en-US"/>
           </a:p>
@@ -3011,7 +3011,7 @@
           <a:p>
             <a:fld id="{BE5295ED-3BAF-1140-8495-3D368771D6B1}" type="datetimeFigureOut">
               <a:rPr lang="en-US" smtClean="0"/>
-              <a:t>2/10/21</a:t>
+              <a:t>11/11/21</a:t>
             </a:fld>
             <a:endParaRPr lang="en-US"/>
           </a:p>
@@ -3299,7 +3299,7 @@
           <a:p>
             <a:fld id="{BE5295ED-3BAF-1140-8495-3D368771D6B1}" type="datetimeFigureOut">
               <a:rPr lang="en-US" smtClean="0"/>
-              <a:t>2/10/21</a:t>
+              <a:t>11/11/21</a:t>
             </a:fld>
             <a:endParaRPr lang="en-US"/>
           </a:p>
@@ -3540,7 +3540,7 @@
           <a:p>
             <a:fld id="{BE5295ED-3BAF-1140-8495-3D368771D6B1}" type="datetimeFigureOut">
               <a:rPr lang="en-US" smtClean="0"/>
-              <a:t>2/10/21</a:t>
+              <a:t>11/11/21</a:t>
             </a:fld>
             <a:endParaRPr lang="en-US"/>
           </a:p>
@@ -8897,26 +8897,41 @@
                 </a:solidFill>
                 <a:latin typeface="Consolas" panose="020B0609020204030204" pitchFamily="49" charset="0"/>
               </a:rPr>
-              <a:t>=y[</a:t>
+              <a:t>=</a:t>
+            </a:r>
+            <a:r>
+              <a:rPr lang="en-US" sz="2400" dirty="0" err="1">
+                <a:solidFill>
+                  <a:srgbClr val="000000"/>
+                </a:solidFill>
+                <a:latin typeface="Consolas" panose="020B0609020204030204" pitchFamily="49" charset="0"/>
+              </a:rPr>
+              <a:t>np.mean</a:t>
             </a:r>
             <a:r>
               <a:rPr lang="en-US" sz="2400" dirty="0">
                 <a:solidFill>
-                  <a:srgbClr val="0000FE"/>
-                </a:solidFill>
-                <a:latin typeface="Consolas" panose="020B0609020204030204" pitchFamily="49" charset="0"/>
-              </a:rPr>
-              <a:t>0</a:t>
-            </a:r>
-            <a:r>
-              <a:rPr lang="en-US" sz="2400" dirty="0">
-                <a:solidFill>
                   <a:srgbClr val="000000"/>
                 </a:solidFill>
                 <a:latin typeface="Consolas" panose="020B0609020204030204" pitchFamily="49" charset="0"/>
               </a:rPr>
-              <a:t>])</a:t>
-            </a:r>
+              <a:t>(</a:t>
+            </a:r>
+            <a:r>
+              <a:rPr lang="en-US" sz="2400">
+                <a:solidFill>
+                  <a:srgbClr val="000000"/>
+                </a:solidFill>
+                <a:latin typeface="Consolas" panose="020B0609020204030204" pitchFamily="49" charset="0"/>
+              </a:rPr>
+              <a:t>y))</a:t>
+            </a:r>
+            <a:endParaRPr lang="en-US" sz="2400" dirty="0">
+              <a:solidFill>
+                <a:srgbClr val="000000"/>
+              </a:solidFill>
+              <a:latin typeface="Consolas" panose="020B0609020204030204" pitchFamily="49" charset="0"/>
+            </a:endParaRPr>
           </a:p>
           <a:p>
             <a:r>
@@ -9276,8 +9291,8 @@
           </a:p>
         </p:txBody>
       </p:sp>
-      <mc:AlternateContent xmlns:mc="http://schemas.openxmlformats.org/markup-compatibility/2006">
-        <mc:Choice xmlns:a14="http://schemas.microsoft.com/office/drawing/2010/main" Requires="a14">
+      <mc:AlternateContent xmlns:mc="http://schemas.openxmlformats.org/markup-compatibility/2006" xmlns:a14="http://schemas.microsoft.com/office/drawing/2010/main">
+        <mc:Choice Requires="a14">
           <p:sp>
             <p:nvSpPr>
               <p:cNvPr id="3" name="Content Placeholder 2">
@@ -9512,7 +9527,7 @@
             </p:txBody>
           </p:sp>
         </mc:Choice>
-        <mc:Fallback>
+        <mc:Fallback xmlns="">
           <p:sp>
             <p:nvSpPr>
               <p:cNvPr id="3" name="Content Placeholder 2">
@@ -9626,19 +9641,14 @@
             <p:ph type="title"/>
           </p:nvPr>
         </p:nvSpPr>
-        <p:spPr>
-          <a:xfrm>
-            <a:off x="838200" y="365125"/>
-            <a:ext cx="10515600" cy="827571"/>
-          </a:xfrm>
-        </p:spPr>
+        <p:spPr/>
         <p:txBody>
           <a:bodyPr/>
           <a:lstStyle/>
           <a:p>
             <a:r>
               <a:rPr lang="en-US" dirty="0"/>
-              <a:t>In practice, better to use two classes</a:t>
+              <a:t>The magic of recursion</a:t>
             </a:r>
           </a:p>
         </p:txBody>
@@ -9653,483 +9663,418 @@
             <p:ph idx="1"/>
           </p:nvPr>
         </p:nvSpPr>
-        <p:spPr>
-          <a:xfrm>
-            <a:off x="838200" y="1550504"/>
-            <a:ext cx="10515600" cy="4626459"/>
-          </a:xfrm>
-        </p:spPr>
+        <p:spPr/>
         <p:txBody>
           <a:bodyPr/>
           <a:lstStyle/>
           <a:p>
             <a:r>
               <a:rPr lang="en-US" dirty="0"/>
-              <a:t>See notebook for 1D decision tree implementation</a:t>
+              <a:t>Demo converting </a:t>
+            </a:r>
+            <a:r>
+              <a:rPr lang="en-US" dirty="0" err="1"/>
+              <a:t>stumpfit</a:t>
+            </a:r>
+            <a:r>
+              <a:rPr lang="en-US" dirty="0"/>
+              <a:t>() to </a:t>
+            </a:r>
+            <a:r>
+              <a:rPr lang="en-US" dirty="0" err="1"/>
+              <a:t>treefit</a:t>
+            </a:r>
+            <a:r>
+              <a:rPr lang="en-US" dirty="0"/>
+              <a:t>()</a:t>
+            </a:r>
+          </a:p>
+          <a:p>
+            <a:r>
+              <a:rPr lang="en-US" dirty="0"/>
+              <a:t>See “</a:t>
+            </a:r>
+            <a:r>
+              <a:rPr lang="en-US" i="1" dirty="0"/>
+              <a:t>Regression tree midpoint split for</a:t>
+            </a:r>
+            <a:br>
+              <a:rPr lang="en-US" i="1" dirty="0"/>
+            </a:br>
+            <a:r>
+              <a:rPr lang="en-US" i="1" dirty="0"/>
+              <a:t>Boston dataset</a:t>
+            </a:r>
+            <a:r>
+              <a:rPr lang="en-US" dirty="0"/>
+              <a:t>” in notebook</a:t>
+            </a:r>
+          </a:p>
+          <a:p>
+            <a:r>
+              <a:rPr lang="en-US" dirty="0"/>
+              <a:t>In </a:t>
+            </a:r>
+            <a:r>
+              <a:rPr lang="en-US" dirty="0" err="1"/>
+              <a:t>treefit</a:t>
+            </a:r>
+            <a:r>
+              <a:rPr lang="en-US" dirty="0"/>
+              <a:t>(</a:t>
+            </a:r>
+            <a:r>
+              <a:rPr lang="en-US" dirty="0" err="1"/>
+              <a:t>x,y</a:t>
+            </a:r>
+            <a:r>
+              <a:rPr lang="en-US" dirty="0"/>
+              <a:t>), simply convert</a:t>
             </a:r>
             <a:br>
               <a:rPr lang="en-US" dirty="0"/>
             </a:br>
-            <a:r>
-              <a:rPr lang="en-US" sz="2000" dirty="0">
-                <a:hlinkClick r:id="rId2"/>
-              </a:rPr>
-              <a:t>https://github.com/parrt/msds621/blob/master/notebooks/trees/decision-trees.ipynb</a:t>
-            </a:r>
-            <a:endParaRPr lang="en-US" sz="2000" dirty="0"/>
-          </a:p>
-        </p:txBody>
-      </p:sp>
-      <p:sp>
-        <p:nvSpPr>
-          <p:cNvPr id="4" name="TextBox 3">
-            <a:extLst>
-              <a:ext uri="{FF2B5EF4-FFF2-40B4-BE49-F238E27FC236}">
-                <a16:creationId xmlns:a16="http://schemas.microsoft.com/office/drawing/2014/main" id="{443560E5-2A9B-CB4B-9164-52C2B689F75C}"/>
-              </a:ext>
-            </a:extLst>
-          </p:cNvPr>
+            <a:br>
+              <a:rPr lang="en-US" dirty="0"/>
+            </a:br>
+            <a:br>
+              <a:rPr lang="en-US" dirty="0"/>
+            </a:br>
+            <a:br>
+              <a:rPr lang="en-US" dirty="0"/>
+            </a:br>
+            <a:endParaRPr lang="en-US" dirty="0"/>
+          </a:p>
+        </p:txBody>
+      </p:sp>
+      <p:sp>
+        <p:nvSpPr>
+          <p:cNvPr id="5" name="Rectangle 4"/>
+          <p:cNvSpPr/>
+          <p:nvPr/>
+        </p:nvSpPr>
+        <p:spPr>
+          <a:xfrm>
+            <a:off x="1076800" y="4028532"/>
+            <a:ext cx="8510663" cy="430887"/>
+          </a:xfrm>
+          <a:prstGeom prst="rect">
+            <a:avLst/>
+          </a:prstGeom>
+        </p:spPr>
+        <p:txBody>
+          <a:bodyPr wrap="none">
+            <a:spAutoFit/>
+          </a:bodyPr>
+          <a:lstStyle/>
+          <a:p>
+            <a:r>
+              <a:rPr lang="en-US" sz="2200" dirty="0" err="1">
+                <a:latin typeface="Monaco" charset="0"/>
+                <a:ea typeface="Monaco" charset="0"/>
+                <a:cs typeface="Monaco" charset="0"/>
+              </a:rPr>
+              <a:t>t.left</a:t>
+            </a:r>
+            <a:r>
+              <a:rPr lang="en-US" sz="2200" dirty="0">
+                <a:latin typeface="Monaco" charset="0"/>
+                <a:ea typeface="Monaco" charset="0"/>
+                <a:cs typeface="Monaco" charset="0"/>
+              </a:rPr>
+              <a:t> = </a:t>
+            </a:r>
+            <a:r>
+              <a:rPr lang="en-US" sz="2200" dirty="0" err="1">
+                <a:latin typeface="Monaco" charset="0"/>
+                <a:ea typeface="Monaco" charset="0"/>
+                <a:cs typeface="Monaco" charset="0"/>
+              </a:rPr>
+              <a:t>TreeNode</a:t>
+            </a:r>
+            <a:r>
+              <a:rPr lang="en-US" sz="2200" dirty="0">
+                <a:latin typeface="Monaco" charset="0"/>
+                <a:ea typeface="Monaco" charset="0"/>
+                <a:cs typeface="Monaco" charset="0"/>
+              </a:rPr>
+              <a:t>(prediction=</a:t>
+            </a:r>
+            <a:r>
+              <a:rPr lang="en-US" sz="2200" dirty="0" err="1">
+                <a:latin typeface="Monaco" charset="0"/>
+                <a:ea typeface="Monaco" charset="0"/>
+                <a:cs typeface="Monaco" charset="0"/>
+              </a:rPr>
+              <a:t>np.mean</a:t>
+            </a:r>
+            <a:r>
+              <a:rPr lang="en-US" sz="2200" dirty="0">
+                <a:latin typeface="Monaco" charset="0"/>
+                <a:ea typeface="Monaco" charset="0"/>
+                <a:cs typeface="Monaco" charset="0"/>
+              </a:rPr>
+              <a:t>(y[x&lt;split]))</a:t>
+            </a:r>
+          </a:p>
+        </p:txBody>
+      </p:sp>
+      <p:sp>
+        <p:nvSpPr>
+          <p:cNvPr id="6" name="TextBox 5"/>
           <p:cNvSpPr txBox="1"/>
           <p:nvPr/>
         </p:nvSpPr>
         <p:spPr>
           <a:xfrm>
-            <a:off x="1138690" y="2764964"/>
-            <a:ext cx="9525995" cy="3416320"/>
+            <a:off x="1051883" y="5254744"/>
+            <a:ext cx="6981398" cy="430887"/>
           </a:xfrm>
           <a:prstGeom prst="rect">
             <a:avLst/>
           </a:prstGeom>
           <a:noFill/>
-          <a:ln>
-            <a:solidFill>
-              <a:schemeClr val="accent1"/>
-            </a:solidFill>
-          </a:ln>
         </p:spPr>
         <p:txBody>
-          <a:bodyPr wrap="square" rtlCol="0">
+          <a:bodyPr wrap="none" rtlCol="0">
             <a:spAutoFit/>
           </a:bodyPr>
           <a:lstStyle/>
           <a:p>
             <a:r>
-              <a:rPr lang="en-US" sz="2400" b="1" dirty="0">
-                <a:solidFill>
-                  <a:srgbClr val="00006D"/>
-                </a:solidFill>
-                <a:latin typeface="Consolas" panose="020B0609020204030204" pitchFamily="49" charset="0"/>
-              </a:rPr>
-              <a:t>class </a:t>
-            </a:r>
-            <a:r>
-              <a:rPr lang="en-US" sz="2400" dirty="0" err="1">
-                <a:solidFill>
-                  <a:srgbClr val="000000"/>
-                </a:solidFill>
-                <a:latin typeface="Consolas" panose="020B0609020204030204" pitchFamily="49" charset="0"/>
-              </a:rPr>
-              <a:t>DecisionNode</a:t>
-            </a:r>
-            <a:r>
-              <a:rPr lang="en-US" sz="2400" dirty="0">
-                <a:solidFill>
-                  <a:srgbClr val="000000"/>
-                </a:solidFill>
-                <a:latin typeface="Consolas" panose="020B0609020204030204" pitchFamily="49" charset="0"/>
-              </a:rPr>
-              <a:t>:</a:t>
-            </a:r>
-          </a:p>
-          <a:p>
-            <a:r>
-              <a:rPr lang="en-US" sz="2400" dirty="0">
-                <a:solidFill>
-                  <a:srgbClr val="000000"/>
-                </a:solidFill>
-                <a:latin typeface="Consolas" panose="020B0609020204030204" pitchFamily="49" charset="0"/>
-              </a:rPr>
-              <a:t>    </a:t>
-            </a:r>
-            <a:r>
-              <a:rPr lang="en-US" sz="2400" b="1" dirty="0">
-                <a:solidFill>
-                  <a:srgbClr val="00006D"/>
-                </a:solidFill>
-                <a:latin typeface="Consolas" panose="020B0609020204030204" pitchFamily="49" charset="0"/>
-              </a:rPr>
-              <a:t>def </a:t>
-            </a:r>
-            <a:r>
-              <a:rPr lang="en-US" sz="2400" dirty="0">
-                <a:solidFill>
-                  <a:srgbClr val="A000A3"/>
-                </a:solidFill>
-                <a:latin typeface="Consolas" panose="020B0609020204030204" pitchFamily="49" charset="0"/>
-              </a:rPr>
-              <a:t>__</a:t>
-            </a:r>
-            <a:r>
-              <a:rPr lang="en-US" sz="2400" dirty="0" err="1">
-                <a:solidFill>
-                  <a:srgbClr val="A000A3"/>
-                </a:solidFill>
-                <a:latin typeface="Consolas" panose="020B0609020204030204" pitchFamily="49" charset="0"/>
-              </a:rPr>
-              <a:t>init</a:t>
-            </a:r>
-            <a:r>
-              <a:rPr lang="en-US" sz="2400" dirty="0">
-                <a:solidFill>
-                  <a:srgbClr val="A000A3"/>
-                </a:solidFill>
-                <a:latin typeface="Consolas" panose="020B0609020204030204" pitchFamily="49" charset="0"/>
-              </a:rPr>
-              <a:t>__</a:t>
-            </a:r>
-            <a:r>
-              <a:rPr lang="en-US" sz="2400" dirty="0">
-                <a:solidFill>
-                  <a:srgbClr val="000000"/>
-                </a:solidFill>
-                <a:latin typeface="Consolas" panose="020B0609020204030204" pitchFamily="49" charset="0"/>
-              </a:rPr>
-              <a:t>(</a:t>
-            </a:r>
-            <a:r>
-              <a:rPr lang="en-US" sz="2400" dirty="0">
-                <a:solidFill>
-                  <a:srgbClr val="803F7A"/>
-                </a:solidFill>
-                <a:latin typeface="Consolas" panose="020B0609020204030204" pitchFamily="49" charset="0"/>
-              </a:rPr>
-              <a:t>self</a:t>
-            </a:r>
-            <a:r>
-              <a:rPr lang="en-US" sz="2400" dirty="0">
-                <a:solidFill>
-                  <a:srgbClr val="000000"/>
-                </a:solidFill>
-                <a:latin typeface="Consolas" panose="020B0609020204030204" pitchFamily="49" charset="0"/>
-              </a:rPr>
-              <a:t>, split, left=</a:t>
-            </a:r>
-            <a:r>
-              <a:rPr lang="en-US" sz="2400" b="1" dirty="0">
-                <a:solidFill>
-                  <a:srgbClr val="00006D"/>
-                </a:solidFill>
-                <a:latin typeface="Consolas" panose="020B0609020204030204" pitchFamily="49" charset="0"/>
-              </a:rPr>
-              <a:t>None</a:t>
-            </a:r>
-            <a:r>
-              <a:rPr lang="en-US" sz="2400" dirty="0">
-                <a:solidFill>
-                  <a:srgbClr val="000000"/>
-                </a:solidFill>
-                <a:latin typeface="Consolas" panose="020B0609020204030204" pitchFamily="49" charset="0"/>
-              </a:rPr>
-              <a:t>, right=</a:t>
-            </a:r>
-            <a:r>
-              <a:rPr lang="en-US" sz="2400" b="1" dirty="0">
-                <a:solidFill>
-                  <a:srgbClr val="00006D"/>
-                </a:solidFill>
-                <a:latin typeface="Consolas" panose="020B0609020204030204" pitchFamily="49" charset="0"/>
-              </a:rPr>
-              <a:t>None</a:t>
-            </a:r>
-            <a:r>
-              <a:rPr lang="en-US" sz="2400" dirty="0">
-                <a:solidFill>
-                  <a:srgbClr val="000000"/>
-                </a:solidFill>
-                <a:latin typeface="Consolas" panose="020B0609020204030204" pitchFamily="49" charset="0"/>
-              </a:rPr>
-              <a:t>):</a:t>
-            </a:r>
-          </a:p>
-          <a:p>
-            <a:r>
-              <a:rPr lang="en-US" sz="2400" dirty="0">
-                <a:solidFill>
-                  <a:srgbClr val="000000"/>
-                </a:solidFill>
-                <a:latin typeface="Consolas" panose="020B0609020204030204" pitchFamily="49" charset="0"/>
-              </a:rPr>
-              <a:t>        </a:t>
-            </a:r>
-            <a:r>
-              <a:rPr lang="en-US" sz="2400" dirty="0" err="1">
-                <a:solidFill>
-                  <a:srgbClr val="803F7A"/>
-                </a:solidFill>
-                <a:latin typeface="Consolas" panose="020B0609020204030204" pitchFamily="49" charset="0"/>
-              </a:rPr>
-              <a:t>self</a:t>
-            </a:r>
-            <a:r>
-              <a:rPr lang="en-US" sz="2400" dirty="0" err="1">
-                <a:solidFill>
-                  <a:srgbClr val="000000"/>
-                </a:solidFill>
-                <a:latin typeface="Consolas" panose="020B0609020204030204" pitchFamily="49" charset="0"/>
-              </a:rPr>
-              <a:t>.split</a:t>
-            </a:r>
-            <a:r>
-              <a:rPr lang="en-US" sz="2400" dirty="0">
-                <a:solidFill>
-                  <a:srgbClr val="000000"/>
-                </a:solidFill>
-                <a:latin typeface="Consolas" panose="020B0609020204030204" pitchFamily="49" charset="0"/>
-              </a:rPr>
-              <a:t> = split  </a:t>
-            </a:r>
-            <a:r>
-              <a:rPr lang="en-US" sz="2400" i="1" dirty="0">
-                <a:solidFill>
-                  <a:srgbClr val="6D6D6D"/>
-                </a:solidFill>
-                <a:latin typeface="Consolas" panose="020B0609020204030204" pitchFamily="49" charset="0"/>
-              </a:rPr>
-              <a:t># split point chosen from x</a:t>
-            </a:r>
-          </a:p>
-          <a:p>
-            <a:r>
-              <a:rPr lang="en-US" sz="2400" i="1" dirty="0">
-                <a:solidFill>
-                  <a:srgbClr val="6D6D6D"/>
-                </a:solidFill>
-                <a:latin typeface="Consolas" panose="020B0609020204030204" pitchFamily="49" charset="0"/>
-              </a:rPr>
-              <a:t>        </a:t>
-            </a:r>
-            <a:r>
-              <a:rPr lang="en-US" sz="2400" dirty="0" err="1">
-                <a:solidFill>
-                  <a:srgbClr val="803F7A"/>
-                </a:solidFill>
-                <a:latin typeface="Consolas" panose="020B0609020204030204" pitchFamily="49" charset="0"/>
-              </a:rPr>
-              <a:t>self</a:t>
-            </a:r>
-            <a:r>
-              <a:rPr lang="en-US" sz="2400" dirty="0" err="1">
-                <a:solidFill>
-                  <a:srgbClr val="000000"/>
-                </a:solidFill>
-                <a:latin typeface="Consolas" panose="020B0609020204030204" pitchFamily="49" charset="0"/>
-              </a:rPr>
-              <a:t>.left</a:t>
-            </a:r>
-            <a:r>
-              <a:rPr lang="en-US" sz="2400" dirty="0">
-                <a:solidFill>
-                  <a:srgbClr val="000000"/>
-                </a:solidFill>
-                <a:latin typeface="Consolas" panose="020B0609020204030204" pitchFamily="49" charset="0"/>
-              </a:rPr>
-              <a:t> = left</a:t>
-            </a:r>
-          </a:p>
-          <a:p>
-            <a:r>
-              <a:rPr lang="en-US" sz="2400" dirty="0">
-                <a:solidFill>
-                  <a:srgbClr val="000000"/>
-                </a:solidFill>
-                <a:latin typeface="Consolas" panose="020B0609020204030204" pitchFamily="49" charset="0"/>
-              </a:rPr>
-              <a:t>        </a:t>
-            </a:r>
-            <a:r>
-              <a:rPr lang="en-US" sz="2400" dirty="0" err="1">
-                <a:solidFill>
-                  <a:srgbClr val="803F7A"/>
-                </a:solidFill>
-                <a:latin typeface="Consolas" panose="020B0609020204030204" pitchFamily="49" charset="0"/>
-              </a:rPr>
-              <a:t>self</a:t>
-            </a:r>
-            <a:r>
-              <a:rPr lang="en-US" sz="2400" dirty="0" err="1">
-                <a:solidFill>
-                  <a:srgbClr val="000000"/>
-                </a:solidFill>
-                <a:latin typeface="Consolas" panose="020B0609020204030204" pitchFamily="49" charset="0"/>
-              </a:rPr>
-              <a:t>.right</a:t>
-            </a:r>
-            <a:r>
-              <a:rPr lang="en-US" sz="2400" dirty="0">
-                <a:solidFill>
-                  <a:srgbClr val="000000"/>
-                </a:solidFill>
-                <a:latin typeface="Consolas" panose="020B0609020204030204" pitchFamily="49" charset="0"/>
-              </a:rPr>
-              <a:t> = right</a:t>
-            </a:r>
-          </a:p>
-          <a:p>
-            <a:endParaRPr lang="en-US" sz="2400" b="1" dirty="0">
-              <a:solidFill>
-                <a:srgbClr val="00006D"/>
-              </a:solidFill>
-              <a:latin typeface="Consolas" panose="020B0609020204030204" pitchFamily="49" charset="0"/>
-            </a:endParaRPr>
-          </a:p>
-          <a:p>
-            <a:r>
-              <a:rPr lang="en-US" sz="2400" b="1" dirty="0">
-                <a:solidFill>
-                  <a:srgbClr val="00006D"/>
-                </a:solidFill>
-                <a:latin typeface="Consolas" panose="020B0609020204030204" pitchFamily="49" charset="0"/>
-              </a:rPr>
-              <a:t>class </a:t>
-            </a:r>
-            <a:r>
-              <a:rPr lang="en-US" sz="2400" dirty="0" err="1">
-                <a:solidFill>
-                  <a:srgbClr val="000000"/>
-                </a:solidFill>
-                <a:latin typeface="Consolas" panose="020B0609020204030204" pitchFamily="49" charset="0"/>
-              </a:rPr>
-              <a:t>LeafNode</a:t>
-            </a:r>
-            <a:r>
-              <a:rPr lang="en-US" sz="2400" dirty="0">
-                <a:solidFill>
-                  <a:srgbClr val="000000"/>
-                </a:solidFill>
-                <a:latin typeface="Consolas" panose="020B0609020204030204" pitchFamily="49" charset="0"/>
-              </a:rPr>
-              <a:t>:</a:t>
-            </a:r>
-          </a:p>
-          <a:p>
-            <a:r>
-              <a:rPr lang="en-US" sz="2400" dirty="0">
-                <a:solidFill>
-                  <a:srgbClr val="000000"/>
-                </a:solidFill>
-                <a:latin typeface="Consolas" panose="020B0609020204030204" pitchFamily="49" charset="0"/>
-              </a:rPr>
-              <a:t>    </a:t>
-            </a:r>
-            <a:r>
-              <a:rPr lang="en-US" sz="2400" b="1" dirty="0">
-                <a:solidFill>
-                  <a:srgbClr val="00006D"/>
-                </a:solidFill>
-                <a:latin typeface="Consolas" panose="020B0609020204030204" pitchFamily="49" charset="0"/>
-              </a:rPr>
-              <a:t>def </a:t>
-            </a:r>
-            <a:r>
-              <a:rPr lang="en-US" sz="2400" dirty="0">
-                <a:solidFill>
-                  <a:srgbClr val="A000A3"/>
-                </a:solidFill>
-                <a:latin typeface="Consolas" panose="020B0609020204030204" pitchFamily="49" charset="0"/>
-              </a:rPr>
-              <a:t>__</a:t>
-            </a:r>
-            <a:r>
-              <a:rPr lang="en-US" sz="2400" dirty="0" err="1">
-                <a:solidFill>
-                  <a:srgbClr val="A000A3"/>
-                </a:solidFill>
-                <a:latin typeface="Consolas" panose="020B0609020204030204" pitchFamily="49" charset="0"/>
-              </a:rPr>
-              <a:t>init</a:t>
-            </a:r>
-            <a:r>
-              <a:rPr lang="en-US" sz="2400" dirty="0">
-                <a:solidFill>
-                  <a:srgbClr val="A000A3"/>
-                </a:solidFill>
-                <a:latin typeface="Consolas" panose="020B0609020204030204" pitchFamily="49" charset="0"/>
-              </a:rPr>
-              <a:t>__</a:t>
-            </a:r>
-            <a:r>
-              <a:rPr lang="en-US" sz="2400" dirty="0">
-                <a:solidFill>
-                  <a:srgbClr val="000000"/>
-                </a:solidFill>
-                <a:latin typeface="Consolas" panose="020B0609020204030204" pitchFamily="49" charset="0"/>
-              </a:rPr>
-              <a:t>(</a:t>
-            </a:r>
-            <a:r>
-              <a:rPr lang="en-US" sz="2400" dirty="0" err="1">
-                <a:solidFill>
-                  <a:srgbClr val="803F7A"/>
-                </a:solidFill>
-                <a:latin typeface="Consolas" panose="020B0609020204030204" pitchFamily="49" charset="0"/>
-              </a:rPr>
-              <a:t>self</a:t>
-            </a:r>
-            <a:r>
-              <a:rPr lang="en-US" sz="2400" dirty="0" err="1">
-                <a:solidFill>
-                  <a:srgbClr val="000000"/>
-                </a:solidFill>
-                <a:latin typeface="Consolas" panose="020B0609020204030204" pitchFamily="49" charset="0"/>
-              </a:rPr>
-              <a:t>,y</a:t>
-            </a:r>
-            <a:r>
-              <a:rPr lang="en-US" sz="2400" dirty="0">
-                <a:solidFill>
-                  <a:srgbClr val="000000"/>
-                </a:solidFill>
-                <a:latin typeface="Consolas" panose="020B0609020204030204" pitchFamily="49" charset="0"/>
-              </a:rPr>
-              <a:t>):</a:t>
-            </a:r>
-          </a:p>
-          <a:p>
-            <a:r>
-              <a:rPr lang="en-US" sz="2400" dirty="0">
-                <a:solidFill>
-                  <a:srgbClr val="000000"/>
-                </a:solidFill>
-                <a:latin typeface="Consolas" panose="020B0609020204030204" pitchFamily="49" charset="0"/>
-              </a:rPr>
-              <a:t>        </a:t>
-            </a:r>
-            <a:r>
-              <a:rPr lang="en-US" sz="2400" dirty="0" err="1">
-                <a:solidFill>
-                  <a:srgbClr val="803F7A"/>
-                </a:solidFill>
-                <a:latin typeface="Consolas" panose="020B0609020204030204" pitchFamily="49" charset="0"/>
-              </a:rPr>
-              <a:t>self</a:t>
-            </a:r>
-            <a:r>
-              <a:rPr lang="en-US" sz="2400" dirty="0" err="1">
-                <a:solidFill>
-                  <a:srgbClr val="000000"/>
-                </a:solidFill>
-                <a:latin typeface="Consolas" panose="020B0609020204030204" pitchFamily="49" charset="0"/>
-              </a:rPr>
-              <a:t>.y</a:t>
-            </a:r>
-            <a:r>
-              <a:rPr lang="en-US" sz="2400" dirty="0">
-                <a:solidFill>
-                  <a:srgbClr val="000000"/>
-                </a:solidFill>
-                <a:latin typeface="Consolas" panose="020B0609020204030204" pitchFamily="49" charset="0"/>
-              </a:rPr>
-              <a:t> = y</a:t>
+              <a:rPr lang="en-US" sz="2200" dirty="0" err="1">
+                <a:latin typeface="Monaco" charset="0"/>
+                <a:ea typeface="Monaco" charset="0"/>
+                <a:cs typeface="Monaco" charset="0"/>
+              </a:rPr>
+              <a:t>t.left</a:t>
+            </a:r>
+            <a:r>
+              <a:rPr lang="en-US" sz="2200" dirty="0">
+                <a:latin typeface="Monaco" charset="0"/>
+                <a:ea typeface="Monaco" charset="0"/>
+                <a:cs typeface="Monaco" charset="0"/>
+              </a:rPr>
+              <a:t> = </a:t>
+            </a:r>
+            <a:r>
+              <a:rPr lang="en-US" sz="2200" dirty="0" err="1">
+                <a:latin typeface="Monaco" charset="0"/>
+                <a:ea typeface="Monaco" charset="0"/>
+                <a:cs typeface="Monaco" charset="0"/>
+              </a:rPr>
+              <a:t>treefit</a:t>
+            </a:r>
+            <a:r>
+              <a:rPr lang="en-US" sz="2200" dirty="0">
+                <a:latin typeface="Monaco" charset="0"/>
+                <a:ea typeface="Monaco" charset="0"/>
+                <a:cs typeface="Monaco" charset="0"/>
+              </a:rPr>
+              <a:t>(x[x&lt;split], y[x&lt;split])</a:t>
+            </a:r>
+          </a:p>
+        </p:txBody>
+      </p:sp>
+      <p:sp>
+        <p:nvSpPr>
+          <p:cNvPr id="8" name="TextBox 7"/>
+          <p:cNvSpPr txBox="1"/>
+          <p:nvPr/>
+        </p:nvSpPr>
+        <p:spPr>
+          <a:xfrm>
+            <a:off x="1051883" y="5942568"/>
+            <a:ext cx="9751387" cy="369332"/>
+          </a:xfrm>
+          <a:prstGeom prst="rect">
+            <a:avLst/>
+          </a:prstGeom>
+          <a:noFill/>
+        </p:spPr>
+        <p:txBody>
+          <a:bodyPr wrap="none" rtlCol="0">
+            <a:spAutoFit/>
+          </a:bodyPr>
+          <a:lstStyle/>
+          <a:p>
+            <a:r>
+              <a:rPr lang="en-US" dirty="0"/>
+              <a:t>Notebook: </a:t>
+            </a:r>
+            <a:r>
+              <a:rPr lang="en-US" dirty="0">
+                <a:hlinkClick r:id="rId2"/>
+              </a:rPr>
+              <a:t>https://github.com/parrt/msds621/blob/master/notebooks/trees/decision-trees.ipynb</a:t>
+            </a:r>
+            <a:endParaRPr lang="en-US" dirty="0"/>
+          </a:p>
+        </p:txBody>
+      </p:sp>
+      <p:pic>
+        <p:nvPicPr>
+          <p:cNvPr id="10" name="Picture 9"/>
+          <p:cNvPicPr>
+            <a:picLocks noChangeAspect="1"/>
+          </p:cNvPicPr>
+          <p:nvPr/>
+        </p:nvPicPr>
+        <p:blipFill>
+          <a:blip r:embed="rId3">
+            <a:extLst>
+              <a:ext uri="{28A0092B-C50C-407E-A947-70E740481C1C}">
+                <a14:useLocalDpi xmlns:a14="http://schemas.microsoft.com/office/drawing/2010/main" val="0"/>
+              </a:ext>
+            </a:extLst>
+          </a:blip>
+          <a:stretch>
+            <a:fillRect/>
+          </a:stretch>
+        </p:blipFill>
+        <p:spPr>
+          <a:xfrm>
+            <a:off x="7217748" y="1407234"/>
+            <a:ext cx="4739429" cy="2223636"/>
+          </a:xfrm>
+          <a:prstGeom prst="rect">
+            <a:avLst/>
+          </a:prstGeom>
+        </p:spPr>
+      </p:pic>
+      <p:sp>
+        <p:nvSpPr>
+          <p:cNvPr id="11" name="TextBox 10"/>
+          <p:cNvSpPr txBox="1"/>
+          <p:nvPr/>
+        </p:nvSpPr>
+        <p:spPr>
+          <a:xfrm>
+            <a:off x="10272100" y="1573491"/>
+            <a:ext cx="1685077" cy="369332"/>
+          </a:xfrm>
+          <a:prstGeom prst="rect">
+            <a:avLst/>
+          </a:prstGeom>
+          <a:noFill/>
+        </p:spPr>
+        <p:txBody>
+          <a:bodyPr wrap="none" rtlCol="0">
+            <a:spAutoFit/>
+          </a:bodyPr>
+          <a:lstStyle/>
+          <a:p>
+            <a:r>
+              <a:rPr lang="en-US"/>
+              <a:t>(midpoint </a:t>
+            </a:r>
+            <a:r>
+              <a:rPr lang="en-US" dirty="0"/>
+              <a:t>split)</a:t>
+            </a:r>
+          </a:p>
+        </p:txBody>
+      </p:sp>
+      <p:sp>
+        <p:nvSpPr>
+          <p:cNvPr id="4" name="TextBox 3">
+            <a:extLst>
+              <a:ext uri="{FF2B5EF4-FFF2-40B4-BE49-F238E27FC236}">
+                <a16:creationId xmlns:a16="http://schemas.microsoft.com/office/drawing/2014/main" id="{F7FBD49F-1DA9-114F-A6D0-C7C0356BC3F7}"/>
+              </a:ext>
+            </a:extLst>
+          </p:cNvPr>
+          <p:cNvSpPr txBox="1"/>
+          <p:nvPr/>
+        </p:nvSpPr>
+        <p:spPr>
+          <a:xfrm>
+            <a:off x="9899556" y="4059309"/>
+            <a:ext cx="1454244" cy="369332"/>
+          </a:xfrm>
+          <a:prstGeom prst="rect">
+            <a:avLst/>
+          </a:prstGeom>
+          <a:noFill/>
+        </p:spPr>
+        <p:txBody>
+          <a:bodyPr wrap="none" rtlCol="0">
+            <a:spAutoFit/>
+          </a:bodyPr>
+          <a:lstStyle/>
+          <a:p>
+            <a:r>
+              <a:rPr lang="en-US" i="1" dirty="0"/>
+              <a:t>Create node</a:t>
+            </a:r>
+          </a:p>
+        </p:txBody>
+      </p:sp>
+      <p:sp>
+        <p:nvSpPr>
+          <p:cNvPr id="12" name="TextBox 11">
+            <a:extLst>
+              <a:ext uri="{FF2B5EF4-FFF2-40B4-BE49-F238E27FC236}">
+                <a16:creationId xmlns:a16="http://schemas.microsoft.com/office/drawing/2014/main" id="{188F2561-17DB-B441-8837-C7A4FABE3C1D}"/>
+              </a:ext>
+            </a:extLst>
+          </p:cNvPr>
+          <p:cNvSpPr txBox="1"/>
+          <p:nvPr/>
+        </p:nvSpPr>
+        <p:spPr>
+          <a:xfrm>
+            <a:off x="9899556" y="5245040"/>
+            <a:ext cx="1710725" cy="369332"/>
+          </a:xfrm>
+          <a:prstGeom prst="rect">
+            <a:avLst/>
+          </a:prstGeom>
+          <a:noFill/>
+        </p:spPr>
+        <p:txBody>
+          <a:bodyPr wrap="none" rtlCol="0">
+            <a:spAutoFit/>
+          </a:bodyPr>
+          <a:lstStyle/>
+          <a:p>
+            <a:r>
+              <a:rPr lang="en-US" i="1" dirty="0"/>
+              <a:t>Create subtree</a:t>
+            </a:r>
+          </a:p>
+        </p:txBody>
+      </p:sp>
+      <p:sp>
+        <p:nvSpPr>
+          <p:cNvPr id="7" name="Rectangle 6">
+            <a:extLst>
+              <a:ext uri="{FF2B5EF4-FFF2-40B4-BE49-F238E27FC236}">
+                <a16:creationId xmlns:a16="http://schemas.microsoft.com/office/drawing/2014/main" id="{8588BE77-CCFC-6841-AF3A-03D25A44CEA4}"/>
+              </a:ext>
+            </a:extLst>
+          </p:cNvPr>
+          <p:cNvSpPr/>
+          <p:nvPr/>
+        </p:nvSpPr>
+        <p:spPr>
+          <a:xfrm>
+            <a:off x="1066861" y="4617178"/>
+            <a:ext cx="463588" cy="492443"/>
+          </a:xfrm>
+          <a:prstGeom prst="rect">
+            <a:avLst/>
+          </a:prstGeom>
+        </p:spPr>
+        <p:txBody>
+          <a:bodyPr wrap="none">
+            <a:spAutoFit/>
+          </a:bodyPr>
+          <a:lstStyle/>
+          <a:p>
+            <a:r>
+              <a:rPr lang="en-US" sz="2600" dirty="0"/>
+              <a:t>to</a:t>
             </a:r>
           </a:p>
         </p:txBody>
@@ -10137,7 +10082,7 @@
     </p:spTree>
     <p:extLst>
       <p:ext uri="{BB962C8B-B14F-4D97-AF65-F5344CB8AC3E}">
-        <p14:creationId xmlns:p14="http://schemas.microsoft.com/office/powerpoint/2010/main" val="1332105517"/>
+        <p14:creationId xmlns:p14="http://schemas.microsoft.com/office/powerpoint/2010/main" val="2009055733"/>
       </p:ext>
     </p:extLst>
   </p:cSld>
@@ -10174,14 +10119,19 @@
             <p:ph type="title"/>
           </p:nvPr>
         </p:nvSpPr>
-        <p:spPr/>
+        <p:spPr>
+          <a:xfrm>
+            <a:off x="838200" y="365125"/>
+            <a:ext cx="10515600" cy="827571"/>
+          </a:xfrm>
+        </p:spPr>
         <p:txBody>
           <a:bodyPr/>
           <a:lstStyle/>
           <a:p>
             <a:r>
               <a:rPr lang="en-US" dirty="0"/>
-              <a:t>The magic of recursion</a:t>
+              <a:t>In practice, better to use two classes</a:t>
             </a:r>
           </a:p>
         </p:txBody>
@@ -10196,418 +10146,483 @@
             <p:ph idx="1"/>
           </p:nvPr>
         </p:nvSpPr>
-        <p:spPr/>
+        <p:spPr>
+          <a:xfrm>
+            <a:off x="838200" y="1550504"/>
+            <a:ext cx="10515600" cy="4626459"/>
+          </a:xfrm>
+        </p:spPr>
         <p:txBody>
           <a:bodyPr/>
           <a:lstStyle/>
           <a:p>
             <a:r>
               <a:rPr lang="en-US" dirty="0"/>
-              <a:t>Demo converting </a:t>
-            </a:r>
-            <a:r>
-              <a:rPr lang="en-US" dirty="0" err="1"/>
-              <a:t>stumpfit</a:t>
-            </a:r>
-            <a:r>
-              <a:rPr lang="en-US" dirty="0"/>
-              <a:t>() to </a:t>
-            </a:r>
-            <a:r>
-              <a:rPr lang="en-US" dirty="0" err="1"/>
-              <a:t>treefit</a:t>
-            </a:r>
-            <a:r>
-              <a:rPr lang="en-US" dirty="0"/>
-              <a:t>()</a:t>
-            </a:r>
-          </a:p>
-          <a:p>
-            <a:r>
-              <a:rPr lang="en-US" dirty="0"/>
-              <a:t>See “</a:t>
-            </a:r>
-            <a:r>
-              <a:rPr lang="en-US" i="1" dirty="0"/>
-              <a:t>Regression tree midpoint split for</a:t>
-            </a:r>
-            <a:br>
-              <a:rPr lang="en-US" i="1" dirty="0"/>
-            </a:br>
-            <a:r>
-              <a:rPr lang="en-US" i="1" dirty="0"/>
-              <a:t>Boston dataset</a:t>
-            </a:r>
-            <a:r>
-              <a:rPr lang="en-US" dirty="0"/>
-              <a:t>” in notebook</a:t>
-            </a:r>
-          </a:p>
-          <a:p>
-            <a:r>
-              <a:rPr lang="en-US" dirty="0"/>
-              <a:t>In </a:t>
-            </a:r>
-            <a:r>
-              <a:rPr lang="en-US" dirty="0" err="1"/>
-              <a:t>treefit</a:t>
-            </a:r>
-            <a:r>
-              <a:rPr lang="en-US" dirty="0"/>
-              <a:t>(</a:t>
-            </a:r>
-            <a:r>
-              <a:rPr lang="en-US" dirty="0" err="1"/>
-              <a:t>x,y</a:t>
-            </a:r>
-            <a:r>
-              <a:rPr lang="en-US" dirty="0"/>
-              <a:t>), simply convert</a:t>
+              <a:t>See notebook for 1D decision tree implementation</a:t>
             </a:r>
             <a:br>
               <a:rPr lang="en-US" dirty="0"/>
             </a:br>
-            <a:br>
-              <a:rPr lang="en-US" dirty="0"/>
-            </a:br>
-            <a:br>
-              <a:rPr lang="en-US" dirty="0"/>
-            </a:br>
-            <a:br>
-              <a:rPr lang="en-US" dirty="0"/>
-            </a:br>
-            <a:endParaRPr lang="en-US" dirty="0"/>
-          </a:p>
-        </p:txBody>
-      </p:sp>
-      <p:sp>
-        <p:nvSpPr>
-          <p:cNvPr id="5" name="Rectangle 4"/>
-          <p:cNvSpPr/>
+            <a:r>
+              <a:rPr lang="en-US" sz="2000" dirty="0">
+                <a:hlinkClick r:id="rId2"/>
+              </a:rPr>
+              <a:t>https://github.com/parrt/msds621/blob/master/notebooks/trees/decision-trees.ipynb</a:t>
+            </a:r>
+            <a:endParaRPr lang="en-US" sz="2000" dirty="0"/>
+          </a:p>
+        </p:txBody>
+      </p:sp>
+      <p:sp>
+        <p:nvSpPr>
+          <p:cNvPr id="4" name="TextBox 3">
+            <a:extLst>
+              <a:ext uri="{FF2B5EF4-FFF2-40B4-BE49-F238E27FC236}">
+                <a16:creationId xmlns:a16="http://schemas.microsoft.com/office/drawing/2014/main" id="{443560E5-2A9B-CB4B-9164-52C2B689F75C}"/>
+              </a:ext>
+            </a:extLst>
+          </p:cNvPr>
+          <p:cNvSpPr txBox="1"/>
           <p:nvPr/>
         </p:nvSpPr>
         <p:spPr>
           <a:xfrm>
-            <a:off x="1076800" y="4028532"/>
-            <a:ext cx="8510663" cy="430887"/>
-          </a:xfrm>
-          <a:prstGeom prst="rect">
-            <a:avLst/>
-          </a:prstGeom>
-        </p:spPr>
-        <p:txBody>
-          <a:bodyPr wrap="none">
-            <a:spAutoFit/>
-          </a:bodyPr>
-          <a:lstStyle/>
-          <a:p>
-            <a:r>
-              <a:rPr lang="en-US" sz="2200" dirty="0" err="1">
-                <a:latin typeface="Monaco" charset="0"/>
-                <a:ea typeface="Monaco" charset="0"/>
-                <a:cs typeface="Monaco" charset="0"/>
-              </a:rPr>
-              <a:t>t.left</a:t>
-            </a:r>
-            <a:r>
-              <a:rPr lang="en-US" sz="2200" dirty="0">
-                <a:latin typeface="Monaco" charset="0"/>
-                <a:ea typeface="Monaco" charset="0"/>
-                <a:cs typeface="Monaco" charset="0"/>
-              </a:rPr>
-              <a:t> = </a:t>
-            </a:r>
-            <a:r>
-              <a:rPr lang="en-US" sz="2200" dirty="0" err="1">
-                <a:latin typeface="Monaco" charset="0"/>
-                <a:ea typeface="Monaco" charset="0"/>
-                <a:cs typeface="Monaco" charset="0"/>
-              </a:rPr>
-              <a:t>TreeNode</a:t>
-            </a:r>
-            <a:r>
-              <a:rPr lang="en-US" sz="2200" dirty="0">
-                <a:latin typeface="Monaco" charset="0"/>
-                <a:ea typeface="Monaco" charset="0"/>
-                <a:cs typeface="Monaco" charset="0"/>
-              </a:rPr>
-              <a:t>(prediction=</a:t>
-            </a:r>
-            <a:r>
-              <a:rPr lang="en-US" sz="2200" dirty="0" err="1">
-                <a:latin typeface="Monaco" charset="0"/>
-                <a:ea typeface="Monaco" charset="0"/>
-                <a:cs typeface="Monaco" charset="0"/>
-              </a:rPr>
-              <a:t>np.mean</a:t>
-            </a:r>
-            <a:r>
-              <a:rPr lang="en-US" sz="2200" dirty="0">
-                <a:latin typeface="Monaco" charset="0"/>
-                <a:ea typeface="Monaco" charset="0"/>
-                <a:cs typeface="Monaco" charset="0"/>
-              </a:rPr>
-              <a:t>(y[x&lt;split]))</a:t>
-            </a:r>
-          </a:p>
-        </p:txBody>
-      </p:sp>
-      <p:sp>
-        <p:nvSpPr>
-          <p:cNvPr id="6" name="TextBox 5"/>
-          <p:cNvSpPr txBox="1"/>
-          <p:nvPr/>
-        </p:nvSpPr>
-        <p:spPr>
-          <a:xfrm>
-            <a:off x="1051883" y="5254744"/>
-            <a:ext cx="6981398" cy="430887"/>
+            <a:off x="1138690" y="2764964"/>
+            <a:ext cx="9525995" cy="3416320"/>
           </a:xfrm>
           <a:prstGeom prst="rect">
             <a:avLst/>
           </a:prstGeom>
           <a:noFill/>
+          <a:ln>
+            <a:solidFill>
+              <a:schemeClr val="accent1"/>
+            </a:solidFill>
+          </a:ln>
         </p:spPr>
         <p:txBody>
-          <a:bodyPr wrap="none" rtlCol="0">
+          <a:bodyPr wrap="square" rtlCol="0">
             <a:spAutoFit/>
           </a:bodyPr>
           <a:lstStyle/>
           <a:p>
             <a:r>
-              <a:rPr lang="en-US" sz="2200" dirty="0" err="1">
-                <a:latin typeface="Monaco" charset="0"/>
-                <a:ea typeface="Monaco" charset="0"/>
-                <a:cs typeface="Monaco" charset="0"/>
-              </a:rPr>
-              <a:t>t.left</a:t>
-            </a:r>
-            <a:r>
-              <a:rPr lang="en-US" sz="2200" dirty="0">
-                <a:latin typeface="Monaco" charset="0"/>
-                <a:ea typeface="Monaco" charset="0"/>
-                <a:cs typeface="Monaco" charset="0"/>
-              </a:rPr>
-              <a:t> = </a:t>
-            </a:r>
-            <a:r>
-              <a:rPr lang="en-US" sz="2200" dirty="0" err="1">
-                <a:latin typeface="Monaco" charset="0"/>
-                <a:ea typeface="Monaco" charset="0"/>
-                <a:cs typeface="Monaco" charset="0"/>
-              </a:rPr>
-              <a:t>treefit</a:t>
-            </a:r>
-            <a:r>
-              <a:rPr lang="en-US" sz="2200" dirty="0">
-                <a:latin typeface="Monaco" charset="0"/>
-                <a:ea typeface="Monaco" charset="0"/>
-                <a:cs typeface="Monaco" charset="0"/>
-              </a:rPr>
-              <a:t>(x[x&lt;split], y[x&lt;split])</a:t>
-            </a:r>
-          </a:p>
-        </p:txBody>
-      </p:sp>
-      <p:sp>
-        <p:nvSpPr>
-          <p:cNvPr id="8" name="TextBox 7"/>
-          <p:cNvSpPr txBox="1"/>
-          <p:nvPr/>
-        </p:nvSpPr>
-        <p:spPr>
-          <a:xfrm>
-            <a:off x="1051883" y="5942568"/>
-            <a:ext cx="9751387" cy="369332"/>
-          </a:xfrm>
-          <a:prstGeom prst="rect">
-            <a:avLst/>
-          </a:prstGeom>
-          <a:noFill/>
-        </p:spPr>
-        <p:txBody>
-          <a:bodyPr wrap="none" rtlCol="0">
-            <a:spAutoFit/>
-          </a:bodyPr>
-          <a:lstStyle/>
-          <a:p>
-            <a:r>
-              <a:rPr lang="en-US" dirty="0"/>
-              <a:t>Notebook: </a:t>
-            </a:r>
-            <a:r>
-              <a:rPr lang="en-US" dirty="0">
-                <a:hlinkClick r:id="rId2"/>
-              </a:rPr>
-              <a:t>https://github.com/parrt/msds621/blob/master/notebooks/trees/decision-trees.ipynb</a:t>
-            </a:r>
-            <a:endParaRPr lang="en-US" dirty="0"/>
-          </a:p>
-        </p:txBody>
-      </p:sp>
-      <p:pic>
-        <p:nvPicPr>
-          <p:cNvPr id="10" name="Picture 9"/>
-          <p:cNvPicPr>
-            <a:picLocks noChangeAspect="1"/>
-          </p:cNvPicPr>
-          <p:nvPr/>
-        </p:nvPicPr>
-        <p:blipFill>
-          <a:blip r:embed="rId3">
-            <a:extLst>
-              <a:ext uri="{28A0092B-C50C-407E-A947-70E740481C1C}">
-                <a14:useLocalDpi xmlns:a14="http://schemas.microsoft.com/office/drawing/2010/main" val="0"/>
-              </a:ext>
-            </a:extLst>
-          </a:blip>
-          <a:stretch>
-            <a:fillRect/>
-          </a:stretch>
-        </p:blipFill>
-        <p:spPr>
-          <a:xfrm>
-            <a:off x="7217748" y="1407234"/>
-            <a:ext cx="4739429" cy="2223636"/>
-          </a:xfrm>
-          <a:prstGeom prst="rect">
-            <a:avLst/>
-          </a:prstGeom>
-        </p:spPr>
-      </p:pic>
-      <p:sp>
-        <p:nvSpPr>
-          <p:cNvPr id="11" name="TextBox 10"/>
-          <p:cNvSpPr txBox="1"/>
-          <p:nvPr/>
-        </p:nvSpPr>
-        <p:spPr>
-          <a:xfrm>
-            <a:off x="10272100" y="1573491"/>
-            <a:ext cx="1685077" cy="369332"/>
-          </a:xfrm>
-          <a:prstGeom prst="rect">
-            <a:avLst/>
-          </a:prstGeom>
-          <a:noFill/>
-        </p:spPr>
-        <p:txBody>
-          <a:bodyPr wrap="none" rtlCol="0">
-            <a:spAutoFit/>
-          </a:bodyPr>
-          <a:lstStyle/>
-          <a:p>
-            <a:r>
-              <a:rPr lang="en-US"/>
-              <a:t>(midpoint </a:t>
-            </a:r>
-            <a:r>
-              <a:rPr lang="en-US" dirty="0"/>
-              <a:t>split)</a:t>
-            </a:r>
-          </a:p>
-        </p:txBody>
-      </p:sp>
-      <p:sp>
-        <p:nvSpPr>
-          <p:cNvPr id="4" name="TextBox 3">
-            <a:extLst>
-              <a:ext uri="{FF2B5EF4-FFF2-40B4-BE49-F238E27FC236}">
-                <a16:creationId xmlns:a16="http://schemas.microsoft.com/office/drawing/2014/main" id="{F7FBD49F-1DA9-114F-A6D0-C7C0356BC3F7}"/>
-              </a:ext>
-            </a:extLst>
-          </p:cNvPr>
-          <p:cNvSpPr txBox="1"/>
-          <p:nvPr/>
-        </p:nvSpPr>
-        <p:spPr>
-          <a:xfrm>
-            <a:off x="9899556" y="4059309"/>
-            <a:ext cx="1454244" cy="369332"/>
-          </a:xfrm>
-          <a:prstGeom prst="rect">
-            <a:avLst/>
-          </a:prstGeom>
-          <a:noFill/>
-        </p:spPr>
-        <p:txBody>
-          <a:bodyPr wrap="none" rtlCol="0">
-            <a:spAutoFit/>
-          </a:bodyPr>
-          <a:lstStyle/>
-          <a:p>
-            <a:r>
-              <a:rPr lang="en-US" i="1" dirty="0"/>
-              <a:t>Create node</a:t>
-            </a:r>
-          </a:p>
-        </p:txBody>
-      </p:sp>
-      <p:sp>
-        <p:nvSpPr>
-          <p:cNvPr id="12" name="TextBox 11">
-            <a:extLst>
-              <a:ext uri="{FF2B5EF4-FFF2-40B4-BE49-F238E27FC236}">
-                <a16:creationId xmlns:a16="http://schemas.microsoft.com/office/drawing/2014/main" id="{188F2561-17DB-B441-8837-C7A4FABE3C1D}"/>
-              </a:ext>
-            </a:extLst>
-          </p:cNvPr>
-          <p:cNvSpPr txBox="1"/>
-          <p:nvPr/>
-        </p:nvSpPr>
-        <p:spPr>
-          <a:xfrm>
-            <a:off x="9899556" y="5245040"/>
-            <a:ext cx="1710725" cy="369332"/>
-          </a:xfrm>
-          <a:prstGeom prst="rect">
-            <a:avLst/>
-          </a:prstGeom>
-          <a:noFill/>
-        </p:spPr>
-        <p:txBody>
-          <a:bodyPr wrap="none" rtlCol="0">
-            <a:spAutoFit/>
-          </a:bodyPr>
-          <a:lstStyle/>
-          <a:p>
-            <a:r>
-              <a:rPr lang="en-US" i="1" dirty="0"/>
-              <a:t>Create subtree</a:t>
-            </a:r>
-          </a:p>
-        </p:txBody>
-      </p:sp>
-      <p:sp>
-        <p:nvSpPr>
-          <p:cNvPr id="7" name="Rectangle 6">
-            <a:extLst>
-              <a:ext uri="{FF2B5EF4-FFF2-40B4-BE49-F238E27FC236}">
-                <a16:creationId xmlns:a16="http://schemas.microsoft.com/office/drawing/2014/main" id="{8588BE77-CCFC-6841-AF3A-03D25A44CEA4}"/>
-              </a:ext>
-            </a:extLst>
-          </p:cNvPr>
-          <p:cNvSpPr/>
-          <p:nvPr/>
-        </p:nvSpPr>
-        <p:spPr>
-          <a:xfrm>
-            <a:off x="1066861" y="4617178"/>
-            <a:ext cx="463588" cy="492443"/>
-          </a:xfrm>
-          <a:prstGeom prst="rect">
-            <a:avLst/>
-          </a:prstGeom>
-        </p:spPr>
-        <p:txBody>
-          <a:bodyPr wrap="none">
-            <a:spAutoFit/>
-          </a:bodyPr>
-          <a:lstStyle/>
-          <a:p>
-            <a:r>
-              <a:rPr lang="en-US" sz="2600" dirty="0"/>
-              <a:t>to</a:t>
+              <a:rPr lang="en-US" sz="2400" b="1" dirty="0">
+                <a:solidFill>
+                  <a:srgbClr val="00006D"/>
+                </a:solidFill>
+                <a:latin typeface="Consolas" panose="020B0609020204030204" pitchFamily="49" charset="0"/>
+              </a:rPr>
+              <a:t>class </a:t>
+            </a:r>
+            <a:r>
+              <a:rPr lang="en-US" sz="2400" dirty="0" err="1">
+                <a:solidFill>
+                  <a:srgbClr val="000000"/>
+                </a:solidFill>
+                <a:latin typeface="Consolas" panose="020B0609020204030204" pitchFamily="49" charset="0"/>
+              </a:rPr>
+              <a:t>DecisionNode</a:t>
+            </a:r>
+            <a:r>
+              <a:rPr lang="en-US" sz="2400" dirty="0">
+                <a:solidFill>
+                  <a:srgbClr val="000000"/>
+                </a:solidFill>
+                <a:latin typeface="Consolas" panose="020B0609020204030204" pitchFamily="49" charset="0"/>
+              </a:rPr>
+              <a:t>:</a:t>
+            </a:r>
+          </a:p>
+          <a:p>
+            <a:r>
+              <a:rPr lang="en-US" sz="2400" dirty="0">
+                <a:solidFill>
+                  <a:srgbClr val="000000"/>
+                </a:solidFill>
+                <a:latin typeface="Consolas" panose="020B0609020204030204" pitchFamily="49" charset="0"/>
+              </a:rPr>
+              <a:t>    </a:t>
+            </a:r>
+            <a:r>
+              <a:rPr lang="en-US" sz="2400" b="1" dirty="0">
+                <a:solidFill>
+                  <a:srgbClr val="00006D"/>
+                </a:solidFill>
+                <a:latin typeface="Consolas" panose="020B0609020204030204" pitchFamily="49" charset="0"/>
+              </a:rPr>
+              <a:t>def </a:t>
+            </a:r>
+            <a:r>
+              <a:rPr lang="en-US" sz="2400" dirty="0">
+                <a:solidFill>
+                  <a:srgbClr val="A000A3"/>
+                </a:solidFill>
+                <a:latin typeface="Consolas" panose="020B0609020204030204" pitchFamily="49" charset="0"/>
+              </a:rPr>
+              <a:t>__</a:t>
+            </a:r>
+            <a:r>
+              <a:rPr lang="en-US" sz="2400" dirty="0" err="1">
+                <a:solidFill>
+                  <a:srgbClr val="A000A3"/>
+                </a:solidFill>
+                <a:latin typeface="Consolas" panose="020B0609020204030204" pitchFamily="49" charset="0"/>
+              </a:rPr>
+              <a:t>init</a:t>
+            </a:r>
+            <a:r>
+              <a:rPr lang="en-US" sz="2400" dirty="0">
+                <a:solidFill>
+                  <a:srgbClr val="A000A3"/>
+                </a:solidFill>
+                <a:latin typeface="Consolas" panose="020B0609020204030204" pitchFamily="49" charset="0"/>
+              </a:rPr>
+              <a:t>__</a:t>
+            </a:r>
+            <a:r>
+              <a:rPr lang="en-US" sz="2400" dirty="0">
+                <a:solidFill>
+                  <a:srgbClr val="000000"/>
+                </a:solidFill>
+                <a:latin typeface="Consolas" panose="020B0609020204030204" pitchFamily="49" charset="0"/>
+              </a:rPr>
+              <a:t>(</a:t>
+            </a:r>
+            <a:r>
+              <a:rPr lang="en-US" sz="2400" dirty="0">
+                <a:solidFill>
+                  <a:srgbClr val="803F7A"/>
+                </a:solidFill>
+                <a:latin typeface="Consolas" panose="020B0609020204030204" pitchFamily="49" charset="0"/>
+              </a:rPr>
+              <a:t>self</a:t>
+            </a:r>
+            <a:r>
+              <a:rPr lang="en-US" sz="2400" dirty="0">
+                <a:solidFill>
+                  <a:srgbClr val="000000"/>
+                </a:solidFill>
+                <a:latin typeface="Consolas" panose="020B0609020204030204" pitchFamily="49" charset="0"/>
+              </a:rPr>
+              <a:t>, split, left=</a:t>
+            </a:r>
+            <a:r>
+              <a:rPr lang="en-US" sz="2400" b="1" dirty="0">
+                <a:solidFill>
+                  <a:srgbClr val="00006D"/>
+                </a:solidFill>
+                <a:latin typeface="Consolas" panose="020B0609020204030204" pitchFamily="49" charset="0"/>
+              </a:rPr>
+              <a:t>None</a:t>
+            </a:r>
+            <a:r>
+              <a:rPr lang="en-US" sz="2400" dirty="0">
+                <a:solidFill>
+                  <a:srgbClr val="000000"/>
+                </a:solidFill>
+                <a:latin typeface="Consolas" panose="020B0609020204030204" pitchFamily="49" charset="0"/>
+              </a:rPr>
+              <a:t>, right=</a:t>
+            </a:r>
+            <a:r>
+              <a:rPr lang="en-US" sz="2400" b="1" dirty="0">
+                <a:solidFill>
+                  <a:srgbClr val="00006D"/>
+                </a:solidFill>
+                <a:latin typeface="Consolas" panose="020B0609020204030204" pitchFamily="49" charset="0"/>
+              </a:rPr>
+              <a:t>None</a:t>
+            </a:r>
+            <a:r>
+              <a:rPr lang="en-US" sz="2400" dirty="0">
+                <a:solidFill>
+                  <a:srgbClr val="000000"/>
+                </a:solidFill>
+                <a:latin typeface="Consolas" panose="020B0609020204030204" pitchFamily="49" charset="0"/>
+              </a:rPr>
+              <a:t>):</a:t>
+            </a:r>
+          </a:p>
+          <a:p>
+            <a:r>
+              <a:rPr lang="en-US" sz="2400" dirty="0">
+                <a:solidFill>
+                  <a:srgbClr val="000000"/>
+                </a:solidFill>
+                <a:latin typeface="Consolas" panose="020B0609020204030204" pitchFamily="49" charset="0"/>
+              </a:rPr>
+              <a:t>        </a:t>
+            </a:r>
+            <a:r>
+              <a:rPr lang="en-US" sz="2400" dirty="0" err="1">
+                <a:solidFill>
+                  <a:srgbClr val="803F7A"/>
+                </a:solidFill>
+                <a:latin typeface="Consolas" panose="020B0609020204030204" pitchFamily="49" charset="0"/>
+              </a:rPr>
+              <a:t>self</a:t>
+            </a:r>
+            <a:r>
+              <a:rPr lang="en-US" sz="2400" dirty="0" err="1">
+                <a:solidFill>
+                  <a:srgbClr val="000000"/>
+                </a:solidFill>
+                <a:latin typeface="Consolas" panose="020B0609020204030204" pitchFamily="49" charset="0"/>
+              </a:rPr>
+              <a:t>.split</a:t>
+            </a:r>
+            <a:r>
+              <a:rPr lang="en-US" sz="2400" dirty="0">
+                <a:solidFill>
+                  <a:srgbClr val="000000"/>
+                </a:solidFill>
+                <a:latin typeface="Consolas" panose="020B0609020204030204" pitchFamily="49" charset="0"/>
+              </a:rPr>
+              <a:t> = split  </a:t>
+            </a:r>
+            <a:r>
+              <a:rPr lang="en-US" sz="2400" i="1" dirty="0">
+                <a:solidFill>
+                  <a:srgbClr val="6D6D6D"/>
+                </a:solidFill>
+                <a:latin typeface="Consolas" panose="020B0609020204030204" pitchFamily="49" charset="0"/>
+              </a:rPr>
+              <a:t># split point chosen from x</a:t>
+            </a:r>
+          </a:p>
+          <a:p>
+            <a:r>
+              <a:rPr lang="en-US" sz="2400" i="1" dirty="0">
+                <a:solidFill>
+                  <a:srgbClr val="6D6D6D"/>
+                </a:solidFill>
+                <a:latin typeface="Consolas" panose="020B0609020204030204" pitchFamily="49" charset="0"/>
+              </a:rPr>
+              <a:t>        </a:t>
+            </a:r>
+            <a:r>
+              <a:rPr lang="en-US" sz="2400" dirty="0" err="1">
+                <a:solidFill>
+                  <a:srgbClr val="803F7A"/>
+                </a:solidFill>
+                <a:latin typeface="Consolas" panose="020B0609020204030204" pitchFamily="49" charset="0"/>
+              </a:rPr>
+              <a:t>self</a:t>
+            </a:r>
+            <a:r>
+              <a:rPr lang="en-US" sz="2400" dirty="0" err="1">
+                <a:solidFill>
+                  <a:srgbClr val="000000"/>
+                </a:solidFill>
+                <a:latin typeface="Consolas" panose="020B0609020204030204" pitchFamily="49" charset="0"/>
+              </a:rPr>
+              <a:t>.left</a:t>
+            </a:r>
+            <a:r>
+              <a:rPr lang="en-US" sz="2400" dirty="0">
+                <a:solidFill>
+                  <a:srgbClr val="000000"/>
+                </a:solidFill>
+                <a:latin typeface="Consolas" panose="020B0609020204030204" pitchFamily="49" charset="0"/>
+              </a:rPr>
+              <a:t> = left</a:t>
+            </a:r>
+          </a:p>
+          <a:p>
+            <a:r>
+              <a:rPr lang="en-US" sz="2400" dirty="0">
+                <a:solidFill>
+                  <a:srgbClr val="000000"/>
+                </a:solidFill>
+                <a:latin typeface="Consolas" panose="020B0609020204030204" pitchFamily="49" charset="0"/>
+              </a:rPr>
+              <a:t>        </a:t>
+            </a:r>
+            <a:r>
+              <a:rPr lang="en-US" sz="2400" dirty="0" err="1">
+                <a:solidFill>
+                  <a:srgbClr val="803F7A"/>
+                </a:solidFill>
+                <a:latin typeface="Consolas" panose="020B0609020204030204" pitchFamily="49" charset="0"/>
+              </a:rPr>
+              <a:t>self</a:t>
+            </a:r>
+            <a:r>
+              <a:rPr lang="en-US" sz="2400" dirty="0" err="1">
+                <a:solidFill>
+                  <a:srgbClr val="000000"/>
+                </a:solidFill>
+                <a:latin typeface="Consolas" panose="020B0609020204030204" pitchFamily="49" charset="0"/>
+              </a:rPr>
+              <a:t>.right</a:t>
+            </a:r>
+            <a:r>
+              <a:rPr lang="en-US" sz="2400" dirty="0">
+                <a:solidFill>
+                  <a:srgbClr val="000000"/>
+                </a:solidFill>
+                <a:latin typeface="Consolas" panose="020B0609020204030204" pitchFamily="49" charset="0"/>
+              </a:rPr>
+              <a:t> = right</a:t>
+            </a:r>
+          </a:p>
+          <a:p>
+            <a:endParaRPr lang="en-US" sz="2400" b="1" dirty="0">
+              <a:solidFill>
+                <a:srgbClr val="00006D"/>
+              </a:solidFill>
+              <a:latin typeface="Consolas" panose="020B0609020204030204" pitchFamily="49" charset="0"/>
+            </a:endParaRPr>
+          </a:p>
+          <a:p>
+            <a:r>
+              <a:rPr lang="en-US" sz="2400" b="1" dirty="0">
+                <a:solidFill>
+                  <a:srgbClr val="00006D"/>
+                </a:solidFill>
+                <a:latin typeface="Consolas" panose="020B0609020204030204" pitchFamily="49" charset="0"/>
+              </a:rPr>
+              <a:t>class </a:t>
+            </a:r>
+            <a:r>
+              <a:rPr lang="en-US" sz="2400" dirty="0" err="1">
+                <a:solidFill>
+                  <a:srgbClr val="000000"/>
+                </a:solidFill>
+                <a:latin typeface="Consolas" panose="020B0609020204030204" pitchFamily="49" charset="0"/>
+              </a:rPr>
+              <a:t>LeafNode</a:t>
+            </a:r>
+            <a:r>
+              <a:rPr lang="en-US" sz="2400" dirty="0">
+                <a:solidFill>
+                  <a:srgbClr val="000000"/>
+                </a:solidFill>
+                <a:latin typeface="Consolas" panose="020B0609020204030204" pitchFamily="49" charset="0"/>
+              </a:rPr>
+              <a:t>:</a:t>
+            </a:r>
+          </a:p>
+          <a:p>
+            <a:r>
+              <a:rPr lang="en-US" sz="2400" dirty="0">
+                <a:solidFill>
+                  <a:srgbClr val="000000"/>
+                </a:solidFill>
+                <a:latin typeface="Consolas" panose="020B0609020204030204" pitchFamily="49" charset="0"/>
+              </a:rPr>
+              <a:t>    </a:t>
+            </a:r>
+            <a:r>
+              <a:rPr lang="en-US" sz="2400" b="1" dirty="0">
+                <a:solidFill>
+                  <a:srgbClr val="00006D"/>
+                </a:solidFill>
+                <a:latin typeface="Consolas" panose="020B0609020204030204" pitchFamily="49" charset="0"/>
+              </a:rPr>
+              <a:t>def </a:t>
+            </a:r>
+            <a:r>
+              <a:rPr lang="en-US" sz="2400" dirty="0">
+                <a:solidFill>
+                  <a:srgbClr val="A000A3"/>
+                </a:solidFill>
+                <a:latin typeface="Consolas" panose="020B0609020204030204" pitchFamily="49" charset="0"/>
+              </a:rPr>
+              <a:t>__</a:t>
+            </a:r>
+            <a:r>
+              <a:rPr lang="en-US" sz="2400" dirty="0" err="1">
+                <a:solidFill>
+                  <a:srgbClr val="A000A3"/>
+                </a:solidFill>
+                <a:latin typeface="Consolas" panose="020B0609020204030204" pitchFamily="49" charset="0"/>
+              </a:rPr>
+              <a:t>init</a:t>
+            </a:r>
+            <a:r>
+              <a:rPr lang="en-US" sz="2400" dirty="0">
+                <a:solidFill>
+                  <a:srgbClr val="A000A3"/>
+                </a:solidFill>
+                <a:latin typeface="Consolas" panose="020B0609020204030204" pitchFamily="49" charset="0"/>
+              </a:rPr>
+              <a:t>__</a:t>
+            </a:r>
+            <a:r>
+              <a:rPr lang="en-US" sz="2400" dirty="0">
+                <a:solidFill>
+                  <a:srgbClr val="000000"/>
+                </a:solidFill>
+                <a:latin typeface="Consolas" panose="020B0609020204030204" pitchFamily="49" charset="0"/>
+              </a:rPr>
+              <a:t>(</a:t>
+            </a:r>
+            <a:r>
+              <a:rPr lang="en-US" sz="2400" dirty="0" err="1">
+                <a:solidFill>
+                  <a:srgbClr val="803F7A"/>
+                </a:solidFill>
+                <a:latin typeface="Consolas" panose="020B0609020204030204" pitchFamily="49" charset="0"/>
+              </a:rPr>
+              <a:t>self</a:t>
+            </a:r>
+            <a:r>
+              <a:rPr lang="en-US" sz="2400" dirty="0" err="1">
+                <a:solidFill>
+                  <a:srgbClr val="000000"/>
+                </a:solidFill>
+                <a:latin typeface="Consolas" panose="020B0609020204030204" pitchFamily="49" charset="0"/>
+              </a:rPr>
+              <a:t>,y</a:t>
+            </a:r>
+            <a:r>
+              <a:rPr lang="en-US" sz="2400" dirty="0">
+                <a:solidFill>
+                  <a:srgbClr val="000000"/>
+                </a:solidFill>
+                <a:latin typeface="Consolas" panose="020B0609020204030204" pitchFamily="49" charset="0"/>
+              </a:rPr>
+              <a:t>):</a:t>
+            </a:r>
+          </a:p>
+          <a:p>
+            <a:r>
+              <a:rPr lang="en-US" sz="2400" dirty="0">
+                <a:solidFill>
+                  <a:srgbClr val="000000"/>
+                </a:solidFill>
+                <a:latin typeface="Consolas" panose="020B0609020204030204" pitchFamily="49" charset="0"/>
+              </a:rPr>
+              <a:t>        </a:t>
+            </a:r>
+            <a:r>
+              <a:rPr lang="en-US" sz="2400" dirty="0" err="1">
+                <a:solidFill>
+                  <a:srgbClr val="803F7A"/>
+                </a:solidFill>
+                <a:latin typeface="Consolas" panose="020B0609020204030204" pitchFamily="49" charset="0"/>
+              </a:rPr>
+              <a:t>self</a:t>
+            </a:r>
+            <a:r>
+              <a:rPr lang="en-US" sz="2400" dirty="0" err="1">
+                <a:solidFill>
+                  <a:srgbClr val="000000"/>
+                </a:solidFill>
+                <a:latin typeface="Consolas" panose="020B0609020204030204" pitchFamily="49" charset="0"/>
+              </a:rPr>
+              <a:t>.y</a:t>
+            </a:r>
+            <a:r>
+              <a:rPr lang="en-US" sz="2400" dirty="0">
+                <a:solidFill>
+                  <a:srgbClr val="000000"/>
+                </a:solidFill>
+                <a:latin typeface="Consolas" panose="020B0609020204030204" pitchFamily="49" charset="0"/>
+              </a:rPr>
+              <a:t> = y</a:t>
             </a:r>
           </a:p>
         </p:txBody>
@@ -10615,7 +10630,7 @@
     </p:spTree>
     <p:extLst>
       <p:ext uri="{BB962C8B-B14F-4D97-AF65-F5344CB8AC3E}">
-        <p14:creationId xmlns:p14="http://schemas.microsoft.com/office/powerpoint/2010/main" val="2009055733"/>
+        <p14:creationId xmlns:p14="http://schemas.microsoft.com/office/powerpoint/2010/main" val="1332105517"/>
       </p:ext>
     </p:extLst>
   </p:cSld>
@@ -12158,8 +12173,8 @@
           <a:chExt cx="0" cy="0"/>
         </a:xfrm>
       </p:grpSpPr>
-      <mc:AlternateContent xmlns:mc="http://schemas.openxmlformats.org/markup-compatibility/2006">
-        <mc:Choice xmlns:a14="http://schemas.microsoft.com/office/drawing/2010/main" Requires="a14">
+      <mc:AlternateContent xmlns:mc="http://schemas.openxmlformats.org/markup-compatibility/2006" xmlns:a14="http://schemas.microsoft.com/office/drawing/2010/main">
+        <mc:Choice Requires="a14">
           <p:sp>
             <p:nvSpPr>
               <p:cNvPr id="2" name="Title 1"/>
@@ -12198,7 +12213,7 @@
             </p:txBody>
           </p:sp>
         </mc:Choice>
-        <mc:Fallback>
+        <mc:Fallback xmlns="">
           <p:sp>
             <p:nvSpPr>
               <p:cNvPr id="2" name="Title 1"/>
